--- a/english/he's got the whole world in His hands.pptx
+++ b/english/he's got the whole world in His hands.pptx
@@ -7,13 +7,14 @@
   <p:sldIdLst>
     <p:sldId id="256" r:id="rId2"/>
     <p:sldId id="264" r:id="rId3"/>
-    <p:sldId id="257" r:id="rId4"/>
-    <p:sldId id="259" r:id="rId5"/>
-    <p:sldId id="260" r:id="rId6"/>
-    <p:sldId id="261" r:id="rId7"/>
-    <p:sldId id="262" r:id="rId8"/>
-    <p:sldId id="263" r:id="rId9"/>
-    <p:sldId id="265" r:id="rId10"/>
+    <p:sldId id="266" r:id="rId4"/>
+    <p:sldId id="257" r:id="rId5"/>
+    <p:sldId id="259" r:id="rId6"/>
+    <p:sldId id="260" r:id="rId7"/>
+    <p:sldId id="261" r:id="rId8"/>
+    <p:sldId id="262" r:id="rId9"/>
+    <p:sldId id="263" r:id="rId10"/>
+    <p:sldId id="265" r:id="rId11"/>
   </p:sldIdLst>
   <p:sldSz cx="9144000" cy="6858000" type="screen4x3"/>
   <p:notesSz cx="6858000" cy="9144000"/>
@@ -297,7 +298,7 @@
             <a:fld id="{E18C58FA-E13E-4DA4-96B1-459853F5441F}" type="datetimeFigureOut">
               <a:rPr lang="zh-TW" altLang="en-US" smtClean="0"/>
               <a:pPr/>
-              <a:t>2019/2/14</a:t>
+              <a:t>2020/8/13</a:t>
             </a:fld>
             <a:endParaRPr lang="zh-TW" altLang="en-US"/>
           </a:p>
@@ -464,7 +465,7 @@
             <a:fld id="{E18C58FA-E13E-4DA4-96B1-459853F5441F}" type="datetimeFigureOut">
               <a:rPr lang="zh-TW" altLang="en-US" smtClean="0"/>
               <a:pPr/>
-              <a:t>2019/2/14</a:t>
+              <a:t>2020/8/13</a:t>
             </a:fld>
             <a:endParaRPr lang="zh-TW" altLang="en-US"/>
           </a:p>
@@ -641,7 +642,7 @@
             <a:fld id="{E18C58FA-E13E-4DA4-96B1-459853F5441F}" type="datetimeFigureOut">
               <a:rPr lang="zh-TW" altLang="en-US" smtClean="0"/>
               <a:pPr/>
-              <a:t>2019/2/14</a:t>
+              <a:t>2020/8/13</a:t>
             </a:fld>
             <a:endParaRPr lang="zh-TW" altLang="en-US"/>
           </a:p>
@@ -808,7 +809,7 @@
             <a:fld id="{E18C58FA-E13E-4DA4-96B1-459853F5441F}" type="datetimeFigureOut">
               <a:rPr lang="zh-TW" altLang="en-US" smtClean="0"/>
               <a:pPr/>
-              <a:t>2019/2/14</a:t>
+              <a:t>2020/8/13</a:t>
             </a:fld>
             <a:endParaRPr lang="zh-TW" altLang="en-US"/>
           </a:p>
@@ -1051,7 +1052,7 @@
             <a:fld id="{E18C58FA-E13E-4DA4-96B1-459853F5441F}" type="datetimeFigureOut">
               <a:rPr lang="zh-TW" altLang="en-US" smtClean="0"/>
               <a:pPr/>
-              <a:t>2019/2/14</a:t>
+              <a:t>2020/8/13</a:t>
             </a:fld>
             <a:endParaRPr lang="zh-TW" altLang="en-US"/>
           </a:p>
@@ -1336,7 +1337,7 @@
             <a:fld id="{E18C58FA-E13E-4DA4-96B1-459853F5441F}" type="datetimeFigureOut">
               <a:rPr lang="zh-TW" altLang="en-US" smtClean="0"/>
               <a:pPr/>
-              <a:t>2019/2/14</a:t>
+              <a:t>2020/8/13</a:t>
             </a:fld>
             <a:endParaRPr lang="zh-TW" altLang="en-US"/>
           </a:p>
@@ -1755,7 +1756,7 @@
             <a:fld id="{E18C58FA-E13E-4DA4-96B1-459853F5441F}" type="datetimeFigureOut">
               <a:rPr lang="zh-TW" altLang="en-US" smtClean="0"/>
               <a:pPr/>
-              <a:t>2019/2/14</a:t>
+              <a:t>2020/8/13</a:t>
             </a:fld>
             <a:endParaRPr lang="zh-TW" altLang="en-US"/>
           </a:p>
@@ -1870,7 +1871,7 @@
             <a:fld id="{E18C58FA-E13E-4DA4-96B1-459853F5441F}" type="datetimeFigureOut">
               <a:rPr lang="zh-TW" altLang="en-US" smtClean="0"/>
               <a:pPr/>
-              <a:t>2019/2/14</a:t>
+              <a:t>2020/8/13</a:t>
             </a:fld>
             <a:endParaRPr lang="zh-TW" altLang="en-US"/>
           </a:p>
@@ -1962,7 +1963,7 @@
             <a:fld id="{E18C58FA-E13E-4DA4-96B1-459853F5441F}" type="datetimeFigureOut">
               <a:rPr lang="zh-TW" altLang="en-US" smtClean="0"/>
               <a:pPr/>
-              <a:t>2019/2/14</a:t>
+              <a:t>2020/8/13</a:t>
             </a:fld>
             <a:endParaRPr lang="zh-TW" altLang="en-US"/>
           </a:p>
@@ -2236,7 +2237,7 @@
             <a:fld id="{E18C58FA-E13E-4DA4-96B1-459853F5441F}" type="datetimeFigureOut">
               <a:rPr lang="zh-TW" altLang="en-US" smtClean="0"/>
               <a:pPr/>
-              <a:t>2019/2/14</a:t>
+              <a:t>2020/8/13</a:t>
             </a:fld>
             <a:endParaRPr lang="zh-TW" altLang="en-US"/>
           </a:p>
@@ -2486,7 +2487,7 @@
             <a:fld id="{E18C58FA-E13E-4DA4-96B1-459853F5441F}" type="datetimeFigureOut">
               <a:rPr lang="zh-TW" altLang="en-US" smtClean="0"/>
               <a:pPr/>
-              <a:t>2019/2/14</a:t>
+              <a:t>2020/8/13</a:t>
             </a:fld>
             <a:endParaRPr lang="zh-TW" altLang="en-US"/>
           </a:p>
@@ -2696,7 +2697,7 @@
             <a:fld id="{E18C58FA-E13E-4DA4-96B1-459853F5441F}" type="datetimeFigureOut">
               <a:rPr lang="zh-TW" altLang="en-US" smtClean="0"/>
               <a:pPr/>
-              <a:t>2019/2/14</a:t>
+              <a:t>2020/8/13</a:t>
             </a:fld>
             <a:endParaRPr lang="zh-TW" altLang="en-US"/>
           </a:p>
@@ -3146,6 +3147,102 @@
 </p:sld>
 </file>
 
+<file path=ppt/slides/slide10.xml><?xml version="1.0" encoding="utf-8"?>
+<p:sld xmlns:a="http://schemas.openxmlformats.org/drawingml/2006/main" xmlns:r="http://schemas.openxmlformats.org/officeDocument/2006/relationships" xmlns:p="http://schemas.openxmlformats.org/presentationml/2006/main">
+  <p:cSld>
+    <p:spTree>
+      <p:nvGrpSpPr>
+        <p:cNvPr id="1" name=""/>
+        <p:cNvGrpSpPr/>
+        <p:nvPr/>
+      </p:nvGrpSpPr>
+      <p:grpSpPr>
+        <a:xfrm>
+          <a:off x="0" y="0"/>
+          <a:ext cx="0" cy="0"/>
+          <a:chOff x="0" y="0"/>
+          <a:chExt cx="0" cy="0"/>
+        </a:xfrm>
+      </p:grpSpPr>
+      <p:sp>
+        <p:nvSpPr>
+          <p:cNvPr id="2" name="標題 1"/>
+          <p:cNvSpPr>
+            <a:spLocks noGrp="1"/>
+          </p:cNvSpPr>
+          <p:nvPr>
+            <p:ph type="title"/>
+          </p:nvPr>
+        </p:nvSpPr>
+        <p:spPr/>
+        <p:txBody>
+          <a:bodyPr/>
+          <a:lstStyle/>
+          <a:p>
+            <a:endParaRPr lang="zh-TW" altLang="en-US"/>
+          </a:p>
+        </p:txBody>
+      </p:sp>
+      <p:sp>
+        <p:nvSpPr>
+          <p:cNvPr id="3" name="內容版面配置區 2"/>
+          <p:cNvSpPr>
+            <a:spLocks noGrp="1"/>
+          </p:cNvSpPr>
+          <p:nvPr>
+            <p:ph idx="1"/>
+          </p:nvPr>
+        </p:nvSpPr>
+        <p:spPr/>
+        <p:txBody>
+          <a:bodyPr/>
+          <a:lstStyle/>
+          <a:p>
+            <a:endParaRPr lang="zh-TW" altLang="en-US"/>
+          </a:p>
+        </p:txBody>
+      </p:sp>
+      <p:pic>
+        <p:nvPicPr>
+          <p:cNvPr id="5" name="Picture 2" descr="KhÃ´ng cÃ³ mÃ´ táº£ áº£nh."/>
+          <p:cNvPicPr>
+            <a:picLocks noChangeAspect="1" noChangeArrowheads="1"/>
+          </p:cNvPicPr>
+          <p:nvPr/>
+        </p:nvPicPr>
+        <p:blipFill>
+          <a:blip r:embed="rId2"/>
+          <a:srcRect/>
+          <a:stretch>
+            <a:fillRect/>
+          </a:stretch>
+        </p:blipFill>
+        <p:spPr bwMode="auto">
+          <a:xfrm>
+            <a:off x="2009196" y="24"/>
+            <a:ext cx="4848820" cy="6858000"/>
+          </a:xfrm>
+          <a:prstGeom prst="rect">
+            <a:avLst/>
+          </a:prstGeom>
+          <a:noFill/>
+        </p:spPr>
+      </p:pic>
+    </p:spTree>
+  </p:cSld>
+  <p:clrMapOvr>
+    <a:masterClrMapping/>
+  </p:clrMapOvr>
+  <p:timing>
+    <p:tnLst>
+      <p:par>
+        <p:cTn id="1" dur="indefinite" restart="never" nodeType="tmRoot"/>
+      </p:par>
+    </p:tnLst>
+  </p:timing>
+</p:sld>
+</file>
+
 <file path=ppt/slides/slide2.xml><?xml version="1.0" encoding="utf-8"?>
 <p:sld xmlns:a="http://schemas.openxmlformats.org/drawingml/2006/main" xmlns:r="http://schemas.openxmlformats.org/officeDocument/2006/relationships" xmlns:p="http://schemas.openxmlformats.org/presentationml/2006/main">
   <p:cSld>
@@ -3446,6 +3543,112 @@
 </file>
 
 <file path=ppt/slides/slide3.xml><?xml version="1.0" encoding="utf-8"?>
+<p:sld xmlns:a="http://schemas.openxmlformats.org/drawingml/2006/main" xmlns:r="http://schemas.openxmlformats.org/officeDocument/2006/relationships" xmlns:p="http://schemas.openxmlformats.org/presentationml/2006/main">
+  <p:cSld>
+    <p:spTree>
+      <p:nvGrpSpPr>
+        <p:cNvPr id="1" name=""/>
+        <p:cNvGrpSpPr/>
+        <p:nvPr/>
+      </p:nvGrpSpPr>
+      <p:grpSpPr>
+        <a:xfrm>
+          <a:off x="0" y="0"/>
+          <a:ext cx="0" cy="0"/>
+          <a:chOff x="0" y="0"/>
+          <a:chExt cx="0" cy="0"/>
+        </a:xfrm>
+      </p:grpSpPr>
+      <p:sp>
+        <p:nvSpPr>
+          <p:cNvPr id="2" name="標題 1"/>
+          <p:cNvSpPr>
+            <a:spLocks noGrp="1"/>
+          </p:cNvSpPr>
+          <p:nvPr>
+            <p:ph type="title"/>
+          </p:nvPr>
+        </p:nvSpPr>
+        <p:spPr/>
+        <p:txBody>
+          <a:bodyPr/>
+          <a:lstStyle/>
+          <a:p>
+            <a:endParaRPr lang="zh-TW" altLang="en-US"/>
+          </a:p>
+        </p:txBody>
+      </p:sp>
+      <p:sp>
+        <p:nvSpPr>
+          <p:cNvPr id="3" name="內容版面配置區 2"/>
+          <p:cNvSpPr>
+            <a:spLocks noGrp="1"/>
+          </p:cNvSpPr>
+          <p:nvPr>
+            <p:ph idx="1"/>
+          </p:nvPr>
+        </p:nvSpPr>
+        <p:spPr/>
+        <p:txBody>
+          <a:bodyPr/>
+          <a:lstStyle/>
+          <a:p>
+            <a:r>
+              <a:rPr lang="en-US" altLang="zh-TW" dirty="0" smtClean="0"/>
+              <a:t>Daddy                Dad</a:t>
+            </a:r>
+          </a:p>
+          <a:p>
+            <a:r>
+              <a:rPr lang="en-US" altLang="zh-TW" dirty="0" smtClean="0"/>
+              <a:t>Mommy             Mom</a:t>
+            </a:r>
+          </a:p>
+          <a:p>
+            <a:r>
+              <a:rPr lang="en-US" altLang="zh-TW" dirty="0" smtClean="0"/>
+              <a:t>Brother </a:t>
+            </a:r>
+          </a:p>
+          <a:p>
+            <a:r>
+              <a:rPr lang="en-US" altLang="zh-TW" dirty="0" smtClean="0"/>
+              <a:t>Sister </a:t>
+            </a:r>
+          </a:p>
+          <a:p>
+            <a:r>
+              <a:rPr lang="en-US" altLang="zh-TW" dirty="0" smtClean="0"/>
+              <a:t>Younger Brother</a:t>
+            </a:r>
+          </a:p>
+          <a:p>
+            <a:r>
+              <a:rPr lang="en-US" altLang="zh-TW" dirty="0" smtClean="0"/>
+              <a:t>Younger Sister</a:t>
+            </a:r>
+          </a:p>
+          <a:p>
+            <a:endParaRPr lang="zh-TW" altLang="en-US" dirty="0"/>
+          </a:p>
+        </p:txBody>
+      </p:sp>
+    </p:spTree>
+  </p:cSld>
+  <p:clrMapOvr>
+    <a:masterClrMapping/>
+  </p:clrMapOvr>
+  <p:timing>
+    <p:tnLst>
+      <p:par>
+        <p:cTn id="1" dur="indefinite" restart="never" nodeType="tmRoot"/>
+      </p:par>
+    </p:tnLst>
+  </p:timing>
+</p:sld>
+</file>
+
+<file path=ppt/slides/slide4.xml><?xml version="1.0" encoding="utf-8"?>
 <p:sld xmlns:a="http://schemas.openxmlformats.org/drawingml/2006/main" xmlns:r="http://schemas.openxmlformats.org/officeDocument/2006/relationships" xmlns:p="http://schemas.openxmlformats.org/presentationml/2006/main">
   <p:cSld>
     <p:spTree>
@@ -3664,7 +3867,7 @@
 </p:sld>
 </file>
 
-<file path=ppt/slides/slide4.xml><?xml version="1.0" encoding="utf-8"?>
+<file path=ppt/slides/slide5.xml><?xml version="1.0" encoding="utf-8"?>
 <p:sld xmlns:a="http://schemas.openxmlformats.org/drawingml/2006/main" xmlns:r="http://schemas.openxmlformats.org/officeDocument/2006/relationships" xmlns:p="http://schemas.openxmlformats.org/presentationml/2006/main">
   <p:cSld>
     <p:spTree>
@@ -3962,7 +4165,7 @@
 </p:sld>
 </file>
 
-<file path=ppt/slides/slide5.xml><?xml version="1.0" encoding="utf-8"?>
+<file path=ppt/slides/slide6.xml><?xml version="1.0" encoding="utf-8"?>
 <p:sld xmlns:a="http://schemas.openxmlformats.org/drawingml/2006/main" xmlns:r="http://schemas.openxmlformats.org/officeDocument/2006/relationships" xmlns:p="http://schemas.openxmlformats.org/presentationml/2006/main">
   <p:cSld>
     <p:spTree>
@@ -4247,7 +4450,7 @@
 </p:sld>
 </file>
 
-<file path=ppt/slides/slide6.xml><?xml version="1.0" encoding="utf-8"?>
+<file path=ppt/slides/slide7.xml><?xml version="1.0" encoding="utf-8"?>
 <p:sld xmlns:a="http://schemas.openxmlformats.org/drawingml/2006/main" xmlns:r="http://schemas.openxmlformats.org/officeDocument/2006/relationships" xmlns:p="http://schemas.openxmlformats.org/presentationml/2006/main">
   <p:cSld>
     <p:spTree>
@@ -4479,7 +4682,7 @@
 </p:sld>
 </file>
 
-<file path=ppt/slides/slide7.xml><?xml version="1.0" encoding="utf-8"?>
+<file path=ppt/slides/slide8.xml><?xml version="1.0" encoding="utf-8"?>
 <p:sld xmlns:a="http://schemas.openxmlformats.org/drawingml/2006/main" xmlns:r="http://schemas.openxmlformats.org/officeDocument/2006/relationships" xmlns:p="http://schemas.openxmlformats.org/presentationml/2006/main">
   <p:cSld>
     <p:spTree>
@@ -4698,7 +4901,7 @@
 </p:sld>
 </file>
 
-<file path=ppt/slides/slide8.xml><?xml version="1.0" encoding="utf-8"?>
+<file path=ppt/slides/slide9.xml><?xml version="1.0" encoding="utf-8"?>
 <p:sld xmlns:a="http://schemas.openxmlformats.org/drawingml/2006/main" xmlns:r="http://schemas.openxmlformats.org/officeDocument/2006/relationships" xmlns:p="http://schemas.openxmlformats.org/presentationml/2006/main">
   <p:cSld>
     <p:spTree>
@@ -4989,102 +5192,6 @@
           </a:p>
         </p:txBody>
       </p:sp>
-    </p:spTree>
-  </p:cSld>
-  <p:clrMapOvr>
-    <a:masterClrMapping/>
-  </p:clrMapOvr>
-  <p:timing>
-    <p:tnLst>
-      <p:par>
-        <p:cTn id="1" dur="indefinite" restart="never" nodeType="tmRoot"/>
-      </p:par>
-    </p:tnLst>
-  </p:timing>
-</p:sld>
-</file>
-
-<file path=ppt/slides/slide9.xml><?xml version="1.0" encoding="utf-8"?>
-<p:sld xmlns:a="http://schemas.openxmlformats.org/drawingml/2006/main" xmlns:r="http://schemas.openxmlformats.org/officeDocument/2006/relationships" xmlns:p="http://schemas.openxmlformats.org/presentationml/2006/main">
-  <p:cSld>
-    <p:spTree>
-      <p:nvGrpSpPr>
-        <p:cNvPr id="1" name=""/>
-        <p:cNvGrpSpPr/>
-        <p:nvPr/>
-      </p:nvGrpSpPr>
-      <p:grpSpPr>
-        <a:xfrm>
-          <a:off x="0" y="0"/>
-          <a:ext cx="0" cy="0"/>
-          <a:chOff x="0" y="0"/>
-          <a:chExt cx="0" cy="0"/>
-        </a:xfrm>
-      </p:grpSpPr>
-      <p:sp>
-        <p:nvSpPr>
-          <p:cNvPr id="2" name="標題 1"/>
-          <p:cNvSpPr>
-            <a:spLocks noGrp="1"/>
-          </p:cNvSpPr>
-          <p:nvPr>
-            <p:ph type="title"/>
-          </p:nvPr>
-        </p:nvSpPr>
-        <p:spPr/>
-        <p:txBody>
-          <a:bodyPr/>
-          <a:lstStyle/>
-          <a:p>
-            <a:endParaRPr lang="zh-TW" altLang="en-US"/>
-          </a:p>
-        </p:txBody>
-      </p:sp>
-      <p:sp>
-        <p:nvSpPr>
-          <p:cNvPr id="3" name="內容版面配置區 2"/>
-          <p:cNvSpPr>
-            <a:spLocks noGrp="1"/>
-          </p:cNvSpPr>
-          <p:nvPr>
-            <p:ph idx="1"/>
-          </p:nvPr>
-        </p:nvSpPr>
-        <p:spPr/>
-        <p:txBody>
-          <a:bodyPr/>
-          <a:lstStyle/>
-          <a:p>
-            <a:endParaRPr lang="zh-TW" altLang="en-US"/>
-          </a:p>
-        </p:txBody>
-      </p:sp>
-      <p:pic>
-        <p:nvPicPr>
-          <p:cNvPr id="5" name="Picture 2" descr="KhÃ´ng cÃ³ mÃ´ táº£ áº£nh."/>
-          <p:cNvPicPr>
-            <a:picLocks noChangeAspect="1" noChangeArrowheads="1"/>
-          </p:cNvPicPr>
-          <p:nvPr/>
-        </p:nvPicPr>
-        <p:blipFill>
-          <a:blip r:embed="rId2"/>
-          <a:srcRect/>
-          <a:stretch>
-            <a:fillRect/>
-          </a:stretch>
-        </p:blipFill>
-        <p:spPr bwMode="auto">
-          <a:xfrm>
-            <a:off x="2009196" y="24"/>
-            <a:ext cx="4848820" cy="6858000"/>
-          </a:xfrm>
-          <a:prstGeom prst="rect">
-            <a:avLst/>
-          </a:prstGeom>
-          <a:noFill/>
-        </p:spPr>
-      </p:pic>
     </p:spTree>
   </p:cSld>
   <p:clrMapOvr>

--- a/english/he's got the whole world in His hands.pptx
+++ b/english/he's got the whole world in His hands.pptx
@@ -8,13 +8,14 @@
     <p:sldId id="256" r:id="rId2"/>
     <p:sldId id="264" r:id="rId3"/>
     <p:sldId id="266" r:id="rId4"/>
-    <p:sldId id="257" r:id="rId5"/>
-    <p:sldId id="259" r:id="rId6"/>
-    <p:sldId id="260" r:id="rId7"/>
-    <p:sldId id="261" r:id="rId8"/>
-    <p:sldId id="262" r:id="rId9"/>
-    <p:sldId id="263" r:id="rId10"/>
-    <p:sldId id="265" r:id="rId11"/>
+    <p:sldId id="267" r:id="rId5"/>
+    <p:sldId id="257" r:id="rId6"/>
+    <p:sldId id="259" r:id="rId7"/>
+    <p:sldId id="260" r:id="rId8"/>
+    <p:sldId id="261" r:id="rId9"/>
+    <p:sldId id="262" r:id="rId10"/>
+    <p:sldId id="263" r:id="rId11"/>
+    <p:sldId id="265" r:id="rId12"/>
   </p:sldIdLst>
   <p:sldSz cx="9144000" cy="6858000" type="screen4x3"/>
   <p:notesSz cx="6858000" cy="9144000"/>
@@ -298,7 +299,7 @@
             <a:fld id="{E18C58FA-E13E-4DA4-96B1-459853F5441F}" type="datetimeFigureOut">
               <a:rPr lang="zh-TW" altLang="en-US" smtClean="0"/>
               <a:pPr/>
-              <a:t>2020/8/13</a:t>
+              <a:t>2020/8/20</a:t>
             </a:fld>
             <a:endParaRPr lang="zh-TW" altLang="en-US"/>
           </a:p>
@@ -465,7 +466,7 @@
             <a:fld id="{E18C58FA-E13E-4DA4-96B1-459853F5441F}" type="datetimeFigureOut">
               <a:rPr lang="zh-TW" altLang="en-US" smtClean="0"/>
               <a:pPr/>
-              <a:t>2020/8/13</a:t>
+              <a:t>2020/8/20</a:t>
             </a:fld>
             <a:endParaRPr lang="zh-TW" altLang="en-US"/>
           </a:p>
@@ -642,7 +643,7 @@
             <a:fld id="{E18C58FA-E13E-4DA4-96B1-459853F5441F}" type="datetimeFigureOut">
               <a:rPr lang="zh-TW" altLang="en-US" smtClean="0"/>
               <a:pPr/>
-              <a:t>2020/8/13</a:t>
+              <a:t>2020/8/20</a:t>
             </a:fld>
             <a:endParaRPr lang="zh-TW" altLang="en-US"/>
           </a:p>
@@ -809,7 +810,7 @@
             <a:fld id="{E18C58FA-E13E-4DA4-96B1-459853F5441F}" type="datetimeFigureOut">
               <a:rPr lang="zh-TW" altLang="en-US" smtClean="0"/>
               <a:pPr/>
-              <a:t>2020/8/13</a:t>
+              <a:t>2020/8/20</a:t>
             </a:fld>
             <a:endParaRPr lang="zh-TW" altLang="en-US"/>
           </a:p>
@@ -1052,7 +1053,7 @@
             <a:fld id="{E18C58FA-E13E-4DA4-96B1-459853F5441F}" type="datetimeFigureOut">
               <a:rPr lang="zh-TW" altLang="en-US" smtClean="0"/>
               <a:pPr/>
-              <a:t>2020/8/13</a:t>
+              <a:t>2020/8/20</a:t>
             </a:fld>
             <a:endParaRPr lang="zh-TW" altLang="en-US"/>
           </a:p>
@@ -1337,7 +1338,7 @@
             <a:fld id="{E18C58FA-E13E-4DA4-96B1-459853F5441F}" type="datetimeFigureOut">
               <a:rPr lang="zh-TW" altLang="en-US" smtClean="0"/>
               <a:pPr/>
-              <a:t>2020/8/13</a:t>
+              <a:t>2020/8/20</a:t>
             </a:fld>
             <a:endParaRPr lang="zh-TW" altLang="en-US"/>
           </a:p>
@@ -1756,7 +1757,7 @@
             <a:fld id="{E18C58FA-E13E-4DA4-96B1-459853F5441F}" type="datetimeFigureOut">
               <a:rPr lang="zh-TW" altLang="en-US" smtClean="0"/>
               <a:pPr/>
-              <a:t>2020/8/13</a:t>
+              <a:t>2020/8/20</a:t>
             </a:fld>
             <a:endParaRPr lang="zh-TW" altLang="en-US"/>
           </a:p>
@@ -1871,7 +1872,7 @@
             <a:fld id="{E18C58FA-E13E-4DA4-96B1-459853F5441F}" type="datetimeFigureOut">
               <a:rPr lang="zh-TW" altLang="en-US" smtClean="0"/>
               <a:pPr/>
-              <a:t>2020/8/13</a:t>
+              <a:t>2020/8/20</a:t>
             </a:fld>
             <a:endParaRPr lang="zh-TW" altLang="en-US"/>
           </a:p>
@@ -1963,7 +1964,7 @@
             <a:fld id="{E18C58FA-E13E-4DA4-96B1-459853F5441F}" type="datetimeFigureOut">
               <a:rPr lang="zh-TW" altLang="en-US" smtClean="0"/>
               <a:pPr/>
-              <a:t>2020/8/13</a:t>
+              <a:t>2020/8/20</a:t>
             </a:fld>
             <a:endParaRPr lang="zh-TW" altLang="en-US"/>
           </a:p>
@@ -2237,7 +2238,7 @@
             <a:fld id="{E18C58FA-E13E-4DA4-96B1-459853F5441F}" type="datetimeFigureOut">
               <a:rPr lang="zh-TW" altLang="en-US" smtClean="0"/>
               <a:pPr/>
-              <a:t>2020/8/13</a:t>
+              <a:t>2020/8/20</a:t>
             </a:fld>
             <a:endParaRPr lang="zh-TW" altLang="en-US"/>
           </a:p>
@@ -2487,7 +2488,7 @@
             <a:fld id="{E18C58FA-E13E-4DA4-96B1-459853F5441F}" type="datetimeFigureOut">
               <a:rPr lang="zh-TW" altLang="en-US" smtClean="0"/>
               <a:pPr/>
-              <a:t>2020/8/13</a:t>
+              <a:t>2020/8/20</a:t>
             </a:fld>
             <a:endParaRPr lang="zh-TW" altLang="en-US"/>
           </a:p>
@@ -2697,7 +2698,7 @@
             <a:fld id="{E18C58FA-E13E-4DA4-96B1-459853F5441F}" type="datetimeFigureOut">
               <a:rPr lang="zh-TW" altLang="en-US" smtClean="0"/>
               <a:pPr/>
-              <a:t>2020/8/13</a:t>
+              <a:t>2020/8/20</a:t>
             </a:fld>
             <a:endParaRPr lang="zh-TW" altLang="en-US"/>
           </a:p>
@@ -3164,6 +3165,424 @@
           <a:chExt cx="0" cy="0"/>
         </a:xfrm>
       </p:grpSpPr>
+      <p:pic>
+        <p:nvPicPr>
+          <p:cNvPr id="1032" name="Picture 8" descr="ç¸éåç"/>
+          <p:cNvPicPr>
+            <a:picLocks noChangeAspect="1" noChangeArrowheads="1"/>
+          </p:cNvPicPr>
+          <p:nvPr/>
+        </p:nvPicPr>
+        <p:blipFill>
+          <a:blip r:embed="rId2"/>
+          <a:srcRect/>
+          <a:stretch>
+            <a:fillRect/>
+          </a:stretch>
+        </p:blipFill>
+        <p:spPr bwMode="auto">
+          <a:xfrm>
+            <a:off x="0" y="-24"/>
+            <a:ext cx="9144000" cy="6858000"/>
+          </a:xfrm>
+          <a:prstGeom prst="rect">
+            <a:avLst/>
+          </a:prstGeom>
+          <a:noFill/>
+        </p:spPr>
+      </p:pic>
+      <p:sp>
+        <p:nvSpPr>
+          <p:cNvPr id="5" name="內容版面配置區 2"/>
+          <p:cNvSpPr txBox="1">
+            <a:spLocks/>
+          </p:cNvSpPr>
+          <p:nvPr/>
+        </p:nvSpPr>
+        <p:spPr>
+          <a:xfrm>
+            <a:off x="214282" y="1428736"/>
+            <a:ext cx="8929718" cy="4525963"/>
+          </a:xfrm>
+          <a:prstGeom prst="rect">
+            <a:avLst/>
+          </a:prstGeom>
+        </p:spPr>
+        <p:txBody>
+          <a:bodyPr vert="horz" lIns="91440" tIns="45720" rIns="91440" bIns="45720" rtlCol="0">
+            <a:noAutofit/>
+          </a:bodyPr>
+          <a:lstStyle/>
+          <a:p>
+            <a:pPr marL="342900" marR="0" lvl="0" indent="-342900" algn="l" defTabSz="914400" rtl="0" eaLnBrk="1" fontAlgn="auto" latinLnBrk="0" hangingPunct="1">
+              <a:lnSpc>
+                <a:spcPct val="100000"/>
+              </a:lnSpc>
+              <a:spcBef>
+                <a:spcPct val="20000"/>
+              </a:spcBef>
+              <a:spcAft>
+                <a:spcPts val="0"/>
+              </a:spcAft>
+              <a:buClrTx/>
+              <a:buSzTx/>
+              <a:buFont typeface="Arial" pitchFamily="34" charset="0"/>
+              <a:buNone/>
+              <a:tabLst/>
+              <a:defRPr/>
+            </a:pPr>
+            <a:r>
+              <a:rPr kumimoji="0" lang="en-US" sz="3700" b="1" i="0" u="none" strike="noStrike" kern="1200" cap="none" spc="0" normalizeH="0" baseline="0" noProof="0" dirty="0" smtClean="0">
+                <a:ln>
+                  <a:noFill/>
+                </a:ln>
+                <a:solidFill>
+                  <a:srgbClr val="002060"/>
+                </a:solidFill>
+                <a:effectLst/>
+                <a:uLnTx/>
+                <a:uFillTx/>
+                <a:latin typeface="Arial Unicode MS" pitchFamily="34" charset="-120"/>
+                <a:ea typeface="Arial Unicode MS" pitchFamily="34" charset="-120"/>
+                <a:cs typeface="Arial Unicode MS" pitchFamily="34" charset="-120"/>
+              </a:rPr>
+              <a:t>He's got </a:t>
+            </a:r>
+            <a:r>
+              <a:rPr kumimoji="0" lang="en-US" sz="3700" b="1" i="0" u="none" strike="noStrike" kern="1200" cap="none" spc="0" normalizeH="0" baseline="0" noProof="0" dirty="0" smtClean="0">
+                <a:ln>
+                  <a:noFill/>
+                </a:ln>
+                <a:solidFill>
+                  <a:srgbClr val="002060"/>
+                </a:solidFill>
+                <a:effectLst/>
+                <a:uLnTx/>
+                <a:uFillTx/>
+                <a:latin typeface="Arial Unicode MS" pitchFamily="34" charset="-120"/>
+                <a:ea typeface="Arial Unicode MS" pitchFamily="34" charset="-120"/>
+                <a:cs typeface="Arial Unicode MS" pitchFamily="34" charset="-120"/>
+              </a:rPr>
+              <a:t>the little tiny babies</a:t>
+            </a:r>
+            <a:r>
+              <a:rPr kumimoji="0" lang="en-US" sz="3700" b="1" i="0" u="none" strike="noStrike" kern="1200" cap="none" spc="0" normalizeH="0" noProof="0" dirty="0" smtClean="0">
+                <a:ln>
+                  <a:noFill/>
+                </a:ln>
+                <a:solidFill>
+                  <a:srgbClr val="002060"/>
+                </a:solidFill>
+                <a:effectLst/>
+                <a:uLnTx/>
+                <a:uFillTx/>
+                <a:latin typeface="Arial Unicode MS" pitchFamily="34" charset="-120"/>
+                <a:ea typeface="Arial Unicode MS" pitchFamily="34" charset="-120"/>
+                <a:cs typeface="Arial Unicode MS" pitchFamily="34" charset="-120"/>
+              </a:rPr>
+              <a:t> in </a:t>
+            </a:r>
+            <a:r>
+              <a:rPr kumimoji="0" lang="en-US" sz="3700" b="1" i="0" u="none" strike="noStrike" kern="1200" cap="none" spc="0" normalizeH="0" baseline="0" noProof="0" dirty="0" smtClean="0">
+                <a:ln>
+                  <a:noFill/>
+                </a:ln>
+                <a:solidFill>
+                  <a:srgbClr val="002060"/>
+                </a:solidFill>
+                <a:effectLst/>
+                <a:uLnTx/>
+                <a:uFillTx/>
+                <a:latin typeface="Arial Unicode MS" pitchFamily="34" charset="-120"/>
+                <a:ea typeface="Arial Unicode MS" pitchFamily="34" charset="-120"/>
+                <a:cs typeface="Arial Unicode MS" pitchFamily="34" charset="-120"/>
+              </a:rPr>
+              <a:t>His </a:t>
+            </a:r>
+            <a:r>
+              <a:rPr kumimoji="0" lang="en-US" sz="3700" b="1" i="0" u="none" strike="noStrike" kern="1200" cap="none" spc="0" normalizeH="0" baseline="0" noProof="0" dirty="0" smtClean="0">
+                <a:ln>
+                  <a:noFill/>
+                </a:ln>
+                <a:solidFill>
+                  <a:srgbClr val="002060"/>
+                </a:solidFill>
+                <a:effectLst/>
+                <a:uLnTx/>
+                <a:uFillTx/>
+                <a:latin typeface="Arial Unicode MS" pitchFamily="34" charset="-120"/>
+                <a:ea typeface="Arial Unicode MS" pitchFamily="34" charset="-120"/>
+                <a:cs typeface="Arial Unicode MS" pitchFamily="34" charset="-120"/>
+              </a:rPr>
+              <a:t>hands,</a:t>
+            </a:r>
+          </a:p>
+          <a:p>
+            <a:pPr marL="342900" lvl="0" indent="-342900">
+              <a:spcBef>
+                <a:spcPct val="20000"/>
+              </a:spcBef>
+            </a:pPr>
+            <a:r>
+              <a:rPr kumimoji="0" lang="en-US" sz="3700" b="1" i="0" u="none" strike="noStrike" kern="1200" cap="none" spc="0" normalizeH="0" baseline="0" noProof="0" dirty="0" smtClean="0">
+                <a:ln>
+                  <a:noFill/>
+                </a:ln>
+                <a:solidFill>
+                  <a:srgbClr val="002060"/>
+                </a:solidFill>
+                <a:effectLst/>
+                <a:uLnTx/>
+                <a:uFillTx/>
+                <a:latin typeface="Arial Unicode MS" pitchFamily="34" charset="-120"/>
+                <a:ea typeface="Arial Unicode MS" pitchFamily="34" charset="-120"/>
+                <a:cs typeface="Arial Unicode MS" pitchFamily="34" charset="-120"/>
+              </a:rPr>
+              <a:t>He's got </a:t>
+            </a:r>
+            <a:r>
+              <a:rPr lang="en-US" sz="3700" b="1" dirty="0" smtClean="0">
+                <a:solidFill>
+                  <a:srgbClr val="002060"/>
+                </a:solidFill>
+                <a:latin typeface="Arial Unicode MS" pitchFamily="34" charset="-120"/>
+                <a:ea typeface="Arial Unicode MS" pitchFamily="34" charset="-120"/>
+                <a:cs typeface="Arial Unicode MS" pitchFamily="34" charset="-120"/>
+              </a:rPr>
+              <a:t>the little tiny </a:t>
+            </a:r>
+            <a:r>
+              <a:rPr lang="en-US" sz="3700" b="1" dirty="0" smtClean="0">
+                <a:solidFill>
+                  <a:srgbClr val="002060"/>
+                </a:solidFill>
+                <a:latin typeface="Arial Unicode MS" pitchFamily="34" charset="-120"/>
+                <a:ea typeface="Arial Unicode MS" pitchFamily="34" charset="-120"/>
+                <a:cs typeface="Arial Unicode MS" pitchFamily="34" charset="-120"/>
+              </a:rPr>
+              <a:t>babies </a:t>
+            </a:r>
+            <a:r>
+              <a:rPr lang="en-US" sz="3700" b="1" dirty="0" smtClean="0">
+                <a:solidFill>
+                  <a:srgbClr val="002060"/>
+                </a:solidFill>
+                <a:latin typeface="Arial Unicode MS" pitchFamily="34" charset="-120"/>
+                <a:ea typeface="Arial Unicode MS" pitchFamily="34" charset="-120"/>
+                <a:cs typeface="Arial Unicode MS" pitchFamily="34" charset="-120"/>
+              </a:rPr>
+              <a:t>in </a:t>
+            </a:r>
+            <a:r>
+              <a:rPr kumimoji="0" lang="en-US" sz="3700" b="1" i="0" u="none" strike="noStrike" kern="1200" cap="none" spc="0" normalizeH="0" baseline="0" noProof="0" dirty="0" smtClean="0">
+                <a:ln>
+                  <a:noFill/>
+                </a:ln>
+                <a:solidFill>
+                  <a:srgbClr val="002060"/>
+                </a:solidFill>
+                <a:effectLst/>
+                <a:uLnTx/>
+                <a:uFillTx/>
+                <a:latin typeface="Arial Unicode MS" pitchFamily="34" charset="-120"/>
+                <a:ea typeface="Arial Unicode MS" pitchFamily="34" charset="-120"/>
+                <a:cs typeface="Arial Unicode MS" pitchFamily="34" charset="-120"/>
+              </a:rPr>
+              <a:t>His </a:t>
+            </a:r>
+            <a:r>
+              <a:rPr kumimoji="0" lang="en-US" sz="3700" b="1" i="0" u="none" strike="noStrike" kern="1200" cap="none" spc="0" normalizeH="0" baseline="0" noProof="0" dirty="0" smtClean="0">
+                <a:ln>
+                  <a:noFill/>
+                </a:ln>
+                <a:solidFill>
+                  <a:srgbClr val="002060"/>
+                </a:solidFill>
+                <a:effectLst/>
+                <a:uLnTx/>
+                <a:uFillTx/>
+                <a:latin typeface="Arial Unicode MS" pitchFamily="34" charset="-120"/>
+                <a:ea typeface="Arial Unicode MS" pitchFamily="34" charset="-120"/>
+                <a:cs typeface="Arial Unicode MS" pitchFamily="34" charset="-120"/>
+              </a:rPr>
+              <a:t>hands,</a:t>
+            </a:r>
+          </a:p>
+          <a:p>
+            <a:pPr marL="342900" lvl="0" indent="-342900">
+              <a:spcBef>
+                <a:spcPct val="20000"/>
+              </a:spcBef>
+            </a:pPr>
+            <a:r>
+              <a:rPr kumimoji="0" lang="en-US" sz="3700" b="1" i="0" u="none" strike="noStrike" kern="1200" cap="none" spc="0" normalizeH="0" baseline="0" noProof="0" dirty="0" smtClean="0">
+                <a:ln>
+                  <a:noFill/>
+                </a:ln>
+                <a:solidFill>
+                  <a:srgbClr val="002060"/>
+                </a:solidFill>
+                <a:effectLst/>
+                <a:uLnTx/>
+                <a:uFillTx/>
+                <a:latin typeface="Arial Unicode MS" pitchFamily="34" charset="-120"/>
+                <a:ea typeface="Arial Unicode MS" pitchFamily="34" charset="-120"/>
+                <a:cs typeface="Arial Unicode MS" pitchFamily="34" charset="-120"/>
+              </a:rPr>
+              <a:t>He's got </a:t>
+            </a:r>
+            <a:r>
+              <a:rPr lang="en-US" sz="3700" b="1" dirty="0" smtClean="0">
+                <a:solidFill>
+                  <a:srgbClr val="002060"/>
+                </a:solidFill>
+                <a:latin typeface="Arial Unicode MS" pitchFamily="34" charset="-120"/>
+                <a:ea typeface="Arial Unicode MS" pitchFamily="34" charset="-120"/>
+                <a:cs typeface="Arial Unicode MS" pitchFamily="34" charset="-120"/>
+              </a:rPr>
+              <a:t>the little tiny </a:t>
+            </a:r>
+            <a:r>
+              <a:rPr lang="en-US" sz="3700" b="1" dirty="0" smtClean="0">
+                <a:solidFill>
+                  <a:srgbClr val="002060"/>
+                </a:solidFill>
+                <a:latin typeface="Arial Unicode MS" pitchFamily="34" charset="-120"/>
+                <a:ea typeface="Arial Unicode MS" pitchFamily="34" charset="-120"/>
+                <a:cs typeface="Arial Unicode MS" pitchFamily="34" charset="-120"/>
+              </a:rPr>
+              <a:t>babies </a:t>
+            </a:r>
+            <a:r>
+              <a:rPr lang="en-US" sz="3700" b="1" dirty="0" smtClean="0">
+                <a:solidFill>
+                  <a:srgbClr val="002060"/>
+                </a:solidFill>
+                <a:latin typeface="Arial Unicode MS" pitchFamily="34" charset="-120"/>
+                <a:ea typeface="Arial Unicode MS" pitchFamily="34" charset="-120"/>
+                <a:cs typeface="Arial Unicode MS" pitchFamily="34" charset="-120"/>
+              </a:rPr>
+              <a:t>in</a:t>
+            </a:r>
+            <a:r>
+              <a:rPr kumimoji="0" lang="en-US" sz="3700" b="1" i="0" u="none" strike="noStrike" kern="1200" cap="none" spc="0" normalizeH="0" baseline="0" noProof="0" dirty="0" smtClean="0">
+                <a:ln>
+                  <a:noFill/>
+                </a:ln>
+                <a:solidFill>
+                  <a:srgbClr val="002060"/>
+                </a:solidFill>
+                <a:effectLst/>
+                <a:uLnTx/>
+                <a:uFillTx/>
+                <a:latin typeface="Arial Unicode MS" pitchFamily="34" charset="-120"/>
+                <a:ea typeface="Arial Unicode MS" pitchFamily="34" charset="-120"/>
+                <a:cs typeface="Arial Unicode MS" pitchFamily="34" charset="-120"/>
+              </a:rPr>
+              <a:t> </a:t>
+            </a:r>
+            <a:r>
+              <a:rPr kumimoji="0" lang="en-US" sz="3700" b="1" i="0" u="none" strike="noStrike" kern="1200" cap="none" spc="0" normalizeH="0" baseline="0" noProof="0" dirty="0" smtClean="0">
+                <a:ln>
+                  <a:noFill/>
+                </a:ln>
+                <a:solidFill>
+                  <a:srgbClr val="002060"/>
+                </a:solidFill>
+                <a:effectLst/>
+                <a:uLnTx/>
+                <a:uFillTx/>
+                <a:latin typeface="Arial Unicode MS" pitchFamily="34" charset="-120"/>
+                <a:ea typeface="Arial Unicode MS" pitchFamily="34" charset="-120"/>
+                <a:cs typeface="Arial Unicode MS" pitchFamily="34" charset="-120"/>
+              </a:rPr>
+              <a:t>His hands,</a:t>
+            </a:r>
+          </a:p>
+          <a:p>
+            <a:pPr marL="342900" marR="0" lvl="0" indent="-342900" algn="l" defTabSz="914400" rtl="0" eaLnBrk="1" fontAlgn="auto" latinLnBrk="0" hangingPunct="1">
+              <a:lnSpc>
+                <a:spcPct val="100000"/>
+              </a:lnSpc>
+              <a:spcBef>
+                <a:spcPct val="20000"/>
+              </a:spcBef>
+              <a:spcAft>
+                <a:spcPts val="0"/>
+              </a:spcAft>
+              <a:buClrTx/>
+              <a:buSzTx/>
+              <a:buFont typeface="Arial" pitchFamily="34" charset="0"/>
+              <a:buNone/>
+              <a:tabLst/>
+              <a:defRPr/>
+            </a:pPr>
+            <a:r>
+              <a:rPr kumimoji="0" lang="en-US" sz="3700" b="1" i="0" u="none" strike="noStrike" kern="1200" cap="none" spc="0" normalizeH="0" baseline="0" noProof="0" dirty="0" smtClean="0">
+                <a:ln>
+                  <a:noFill/>
+                </a:ln>
+                <a:solidFill>
+                  <a:srgbClr val="002060"/>
+                </a:solidFill>
+                <a:effectLst/>
+                <a:uLnTx/>
+                <a:uFillTx/>
+                <a:latin typeface="Arial Unicode MS" pitchFamily="34" charset="-120"/>
+                <a:ea typeface="Arial Unicode MS" pitchFamily="34" charset="-120"/>
+                <a:cs typeface="Arial Unicode MS" pitchFamily="34" charset="-120"/>
+              </a:rPr>
+              <a:t>He's got the whole world in His hands. </a:t>
+            </a:r>
+            <a:endParaRPr kumimoji="0" lang="zh-TW" altLang="en-US" sz="3700" b="1" i="0" u="none" strike="noStrike" kern="1200" cap="none" spc="0" normalizeH="0" baseline="0" noProof="0" dirty="0" smtClean="0">
+              <a:ln>
+                <a:noFill/>
+              </a:ln>
+              <a:solidFill>
+                <a:srgbClr val="002060"/>
+              </a:solidFill>
+              <a:effectLst/>
+              <a:uLnTx/>
+              <a:uFillTx/>
+              <a:latin typeface="Arial Unicode MS" pitchFamily="34" charset="-120"/>
+              <a:ea typeface="Arial Unicode MS" pitchFamily="34" charset="-120"/>
+              <a:cs typeface="Arial Unicode MS" pitchFamily="34" charset="-120"/>
+            </a:endParaRPr>
+          </a:p>
+        </p:txBody>
+      </p:sp>
+    </p:spTree>
+  </p:cSld>
+  <p:clrMapOvr>
+    <a:masterClrMapping/>
+  </p:clrMapOvr>
+  <p:timing>
+    <p:tnLst>
+      <p:par>
+        <p:cTn id="1" dur="indefinite" restart="never" nodeType="tmRoot"/>
+      </p:par>
+    </p:tnLst>
+  </p:timing>
+</p:sld>
+</file>
+
+<file path=ppt/slides/slide11.xml><?xml version="1.0" encoding="utf-8"?>
+<p:sld xmlns:a="http://schemas.openxmlformats.org/drawingml/2006/main" xmlns:r="http://schemas.openxmlformats.org/officeDocument/2006/relationships" xmlns:p="http://schemas.openxmlformats.org/presentationml/2006/main">
+  <p:cSld>
+    <p:spTree>
+      <p:nvGrpSpPr>
+        <p:cNvPr id="1" name=""/>
+        <p:cNvGrpSpPr/>
+        <p:nvPr/>
+      </p:nvGrpSpPr>
+      <p:grpSpPr>
+        <a:xfrm>
+          <a:off x="0" y="0"/>
+          <a:ext cx="0" cy="0"/>
+          <a:chOff x="0" y="0"/>
+          <a:chExt cx="0" cy="0"/>
+        </a:xfrm>
+      </p:grpSpPr>
       <p:sp>
         <p:nvSpPr>
           <p:cNvPr id="2" name="標題 1"/>
@@ -3378,8 +3797,39 @@
                 <a:latin typeface="Comic Sans MS" pitchFamily="66" charset="0"/>
                 <a:cs typeface="Times New Roman" pitchFamily="18" charset="0"/>
               </a:rPr>
-              <a:t>Got</a:t>
-            </a:r>
+              <a:t>Got : </a:t>
+            </a:r>
+            <a:r>
+              <a:rPr lang="en-US" sz="4800" b="1" dirty="0" err="1" smtClean="0">
+                <a:solidFill>
+                  <a:srgbClr val="FF0000"/>
+                </a:solidFill>
+                <a:effectLst>
+                  <a:outerShdw blurRad="38100" dist="38100" dir="2700000" algn="tl">
+                    <a:srgbClr val="000000">
+                      <a:alpha val="43137"/>
+                    </a:srgbClr>
+                  </a:outerShdw>
+                </a:effectLst>
+                <a:latin typeface="Comic Sans MS" pitchFamily="66" charset="0"/>
+                <a:cs typeface="Times New Roman" pitchFamily="18" charset="0"/>
+              </a:rPr>
+              <a:t>có</a:t>
+            </a:r>
+            <a:endParaRPr lang="en-US" sz="4800" b="1" dirty="0" smtClean="0">
+              <a:solidFill>
+                <a:srgbClr val="FF0000"/>
+              </a:solidFill>
+              <a:effectLst>
+                <a:outerShdw blurRad="38100" dist="38100" dir="2700000" algn="tl">
+                  <a:srgbClr val="000000">
+                    <a:alpha val="43137"/>
+                  </a:srgbClr>
+                </a:outerShdw>
+              </a:effectLst>
+              <a:latin typeface="Comic Sans MS" pitchFamily="66" charset="0"/>
+              <a:cs typeface="Times New Roman" pitchFamily="18" charset="0"/>
+            </a:endParaRPr>
           </a:p>
           <a:p>
             <a:pPr algn="ctr"/>
@@ -3401,7 +3851,7 @@
           <a:p>
             <a:pPr algn="ctr"/>
             <a:r>
-              <a:rPr lang="en-US" sz="4800" b="1" dirty="0" smtClean="0">
+              <a:rPr lang="en-US" sz="4800" b="1" dirty="0" err="1" smtClean="0">
                 <a:solidFill>
                   <a:srgbClr val="FF0000"/>
                 </a:solidFill>
@@ -3415,8 +3865,56 @@
                 <a:latin typeface="Comic Sans MS" pitchFamily="66" charset="0"/>
                 <a:cs typeface="Times New Roman" pitchFamily="18" charset="0"/>
               </a:rPr>
-              <a:t>Whole</a:t>
-            </a:r>
+              <a:t>Whole:toàn</a:t>
+            </a:r>
+            <a:r>
+              <a:rPr lang="en-US" sz="4800" b="1" dirty="0" smtClean="0">
+                <a:solidFill>
+                  <a:srgbClr val="FF0000"/>
+                </a:solidFill>
+                <a:effectLst>
+                  <a:outerShdw blurRad="38100" dist="38100" dir="2700000" algn="tl">
+                    <a:srgbClr val="000000">
+                      <a:alpha val="43137"/>
+                    </a:srgbClr>
+                  </a:outerShdw>
+                </a:effectLst>
+                <a:latin typeface="Comic Sans MS" pitchFamily="66" charset="0"/>
+                <a:cs typeface="Times New Roman" pitchFamily="18" charset="0"/>
+              </a:rPr>
+              <a:t> </a:t>
+            </a:r>
+            <a:r>
+              <a:rPr lang="en-US" sz="4800" b="1" dirty="0" err="1" smtClean="0">
+                <a:solidFill>
+                  <a:srgbClr val="FF0000"/>
+                </a:solidFill>
+                <a:effectLst>
+                  <a:outerShdw blurRad="38100" dist="38100" dir="2700000" algn="tl">
+                    <a:srgbClr val="000000">
+                      <a:alpha val="43137"/>
+                    </a:srgbClr>
+                  </a:outerShdw>
+                </a:effectLst>
+                <a:latin typeface="Comic Sans MS" pitchFamily="66" charset="0"/>
+                <a:cs typeface="Times New Roman" pitchFamily="18" charset="0"/>
+              </a:rPr>
+              <a:t>bộ</a:t>
+            </a:r>
+            <a:endParaRPr lang="en-US" sz="4800" b="1" dirty="0" smtClean="0">
+              <a:solidFill>
+                <a:srgbClr val="FF0000"/>
+              </a:solidFill>
+              <a:effectLst>
+                <a:outerShdw blurRad="38100" dist="38100" dir="2700000" algn="tl">
+                  <a:srgbClr val="000000">
+                    <a:alpha val="43137"/>
+                  </a:srgbClr>
+                </a:outerShdw>
+              </a:effectLst>
+              <a:latin typeface="Comic Sans MS" pitchFamily="66" charset="0"/>
+              <a:cs typeface="Times New Roman" pitchFamily="18" charset="0"/>
+            </a:endParaRPr>
           </a:p>
           <a:p>
             <a:pPr algn="ctr"/>
@@ -3452,8 +3950,73 @@
                 <a:latin typeface="Comic Sans MS" pitchFamily="66" charset="0"/>
                 <a:cs typeface="Times New Roman" pitchFamily="18" charset="0"/>
               </a:rPr>
-              <a:t>World</a:t>
-            </a:r>
+              <a:t>World: </a:t>
+            </a:r>
+            <a:r>
+              <a:rPr lang="en-US" sz="4800" b="1" dirty="0" err="1" smtClean="0">
+                <a:solidFill>
+                  <a:srgbClr val="FF0000"/>
+                </a:solidFill>
+                <a:effectLst>
+                  <a:outerShdw blurRad="38100" dist="38100" dir="2700000" algn="tl">
+                    <a:srgbClr val="000000">
+                      <a:alpha val="43137"/>
+                    </a:srgbClr>
+                  </a:outerShdw>
+                </a:effectLst>
+                <a:latin typeface="Comic Sans MS" pitchFamily="66" charset="0"/>
+                <a:cs typeface="Times New Roman" pitchFamily="18" charset="0"/>
+              </a:rPr>
+              <a:t>thế</a:t>
+            </a:r>
+            <a:r>
+              <a:rPr lang="en-US" sz="4800" b="1" dirty="0" smtClean="0">
+                <a:solidFill>
+                  <a:srgbClr val="FF0000"/>
+                </a:solidFill>
+                <a:effectLst>
+                  <a:outerShdw blurRad="38100" dist="38100" dir="2700000" algn="tl">
+                    <a:srgbClr val="000000">
+                      <a:alpha val="43137"/>
+                    </a:srgbClr>
+                  </a:outerShdw>
+                </a:effectLst>
+                <a:latin typeface="Comic Sans MS" pitchFamily="66" charset="0"/>
+                <a:cs typeface="Times New Roman" pitchFamily="18" charset="0"/>
+              </a:rPr>
+              <a:t> </a:t>
+            </a:r>
+            <a:r>
+              <a:rPr lang="en-US" sz="4800" b="1" dirty="0" err="1" smtClean="0">
+                <a:solidFill>
+                  <a:srgbClr val="FF0000"/>
+                </a:solidFill>
+                <a:effectLst>
+                  <a:outerShdw blurRad="38100" dist="38100" dir="2700000" algn="tl">
+                    <a:srgbClr val="000000">
+                      <a:alpha val="43137"/>
+                    </a:srgbClr>
+                  </a:outerShdw>
+                </a:effectLst>
+                <a:latin typeface="Comic Sans MS" pitchFamily="66" charset="0"/>
+                <a:cs typeface="Times New Roman" pitchFamily="18" charset="0"/>
+              </a:rPr>
+              <a:t>giới</a:t>
+            </a:r>
+            <a:endParaRPr lang="en-US" sz="4800" b="1" dirty="0" smtClean="0">
+              <a:solidFill>
+                <a:srgbClr val="FF0000"/>
+              </a:solidFill>
+              <a:effectLst>
+                <a:outerShdw blurRad="38100" dist="38100" dir="2700000" algn="tl">
+                  <a:srgbClr val="000000">
+                    <a:alpha val="43137"/>
+                  </a:srgbClr>
+                </a:outerShdw>
+              </a:effectLst>
+              <a:latin typeface="Comic Sans MS" pitchFamily="66" charset="0"/>
+              <a:cs typeface="Times New Roman" pitchFamily="18" charset="0"/>
+            </a:endParaRPr>
           </a:p>
           <a:p>
             <a:pPr algn="ctr"/>
@@ -3475,7 +4038,7 @@
           <a:p>
             <a:pPr algn="ctr"/>
             <a:r>
-              <a:rPr lang="en-US" sz="4800" b="1" dirty="0" smtClean="0">
+              <a:rPr lang="en-US" sz="4800" b="1" dirty="0" err="1" smtClean="0">
                 <a:solidFill>
                   <a:srgbClr val="FF0000"/>
                 </a:solidFill>
@@ -3489,8 +4052,22 @@
                 <a:latin typeface="Comic Sans MS" pitchFamily="66" charset="0"/>
                 <a:cs typeface="Times New Roman" pitchFamily="18" charset="0"/>
               </a:rPr>
-              <a:t>Hands</a:t>
-            </a:r>
+              <a:t>Hands:tay</a:t>
+            </a:r>
+            <a:endParaRPr lang="en-US" sz="4800" b="1" dirty="0" smtClean="0">
+              <a:solidFill>
+                <a:srgbClr val="FF0000"/>
+              </a:solidFill>
+              <a:effectLst>
+                <a:outerShdw blurRad="38100" dist="38100" dir="2700000" algn="tl">
+                  <a:srgbClr val="000000">
+                    <a:alpha val="43137"/>
+                  </a:srgbClr>
+                </a:outerShdw>
+              </a:effectLst>
+              <a:latin typeface="Comic Sans MS" pitchFamily="66" charset="0"/>
+              <a:cs typeface="Times New Roman" pitchFamily="18" charset="0"/>
+            </a:endParaRPr>
           </a:p>
           <a:p>
             <a:pPr algn="ctr"/>
@@ -3609,24 +4186,80 @@
               <a:rPr lang="en-US" altLang="zh-TW" dirty="0" smtClean="0"/>
               <a:t>Brother </a:t>
             </a:r>
-          </a:p>
-          <a:p>
             <a:r>
               <a:rPr lang="en-US" altLang="zh-TW" dirty="0" smtClean="0"/>
-              <a:t>Sister </a:t>
-            </a:r>
-          </a:p>
-          <a:p>
+              <a:t>: </a:t>
+            </a:r>
+            <a:r>
+              <a:rPr lang="en-US" altLang="zh-TW" dirty="0" err="1" smtClean="0"/>
+              <a:t>anh</a:t>
+            </a:r>
             <a:r>
               <a:rPr lang="en-US" altLang="zh-TW" dirty="0" smtClean="0"/>
-              <a:t>Younger Brother</a:t>
-            </a:r>
+              <a:t>	</a:t>
+            </a:r>
+            <a:endParaRPr lang="en-US" altLang="zh-TW" dirty="0" smtClean="0"/>
           </a:p>
           <a:p>
             <a:r>
               <a:rPr lang="en-US" altLang="zh-TW" dirty="0" smtClean="0"/>
-              <a:t>Younger Sister</a:t>
-            </a:r>
+              <a:t>Sister :</a:t>
+            </a:r>
+            <a:r>
+              <a:rPr lang="en-US" altLang="zh-TW" dirty="0" err="1" smtClean="0"/>
+              <a:t>chị</a:t>
+            </a:r>
+            <a:r>
+              <a:rPr lang="en-US" altLang="zh-TW" dirty="0" smtClean="0"/>
+              <a:t>  </a:t>
+            </a:r>
+            <a:endParaRPr lang="en-US" altLang="zh-TW" dirty="0" smtClean="0"/>
+          </a:p>
+          <a:p>
+            <a:r>
+              <a:rPr lang="en-US" altLang="zh-TW" dirty="0" smtClean="0"/>
+              <a:t>Younger </a:t>
+            </a:r>
+            <a:r>
+              <a:rPr lang="en-US" altLang="zh-TW" dirty="0" smtClean="0"/>
+              <a:t>Brother : </a:t>
+            </a:r>
+            <a:r>
+              <a:rPr lang="en-US" altLang="zh-TW" dirty="0" err="1" smtClean="0"/>
+              <a:t>em</a:t>
+            </a:r>
+            <a:r>
+              <a:rPr lang="en-US" altLang="zh-TW" dirty="0" smtClean="0"/>
+              <a:t> </a:t>
+            </a:r>
+            <a:r>
+              <a:rPr lang="en-US" altLang="zh-TW" dirty="0" err="1" smtClean="0"/>
+              <a:t>trai</a:t>
+            </a:r>
+            <a:endParaRPr lang="en-US" altLang="zh-TW" dirty="0" smtClean="0"/>
+          </a:p>
+          <a:p>
+            <a:r>
+              <a:rPr lang="en-US" altLang="zh-TW" dirty="0" smtClean="0"/>
+              <a:t>Younger </a:t>
+            </a:r>
+            <a:r>
+              <a:rPr lang="en-US" altLang="zh-TW" dirty="0" smtClean="0"/>
+              <a:t>Sister : </a:t>
+            </a:r>
+            <a:r>
+              <a:rPr lang="en-US" altLang="zh-TW" dirty="0" err="1" smtClean="0"/>
+              <a:t>em</a:t>
+            </a:r>
+            <a:r>
+              <a:rPr lang="en-US" altLang="zh-TW" dirty="0" smtClean="0"/>
+              <a:t> </a:t>
+            </a:r>
+            <a:r>
+              <a:rPr lang="en-US" altLang="zh-TW" dirty="0" err="1" smtClean="0"/>
+              <a:t>gái</a:t>
+            </a:r>
+            <a:endParaRPr lang="en-US" altLang="zh-TW" dirty="0" smtClean="0"/>
           </a:p>
           <a:p>
             <a:endParaRPr lang="zh-TW" altLang="en-US" dirty="0"/>
@@ -3649,6 +4282,154 @@
 </file>
 
 <file path=ppt/slides/slide4.xml><?xml version="1.0" encoding="utf-8"?>
+<p:sld xmlns:a="http://schemas.openxmlformats.org/drawingml/2006/main" xmlns:r="http://schemas.openxmlformats.org/officeDocument/2006/relationships" xmlns:p="http://schemas.openxmlformats.org/presentationml/2006/main">
+  <p:cSld>
+    <p:spTree>
+      <p:nvGrpSpPr>
+        <p:cNvPr id="1" name=""/>
+        <p:cNvGrpSpPr/>
+        <p:nvPr/>
+      </p:nvGrpSpPr>
+      <p:grpSpPr>
+        <a:xfrm>
+          <a:off x="0" y="0"/>
+          <a:ext cx="0" cy="0"/>
+          <a:chOff x="0" y="0"/>
+          <a:chExt cx="0" cy="0"/>
+        </a:xfrm>
+      </p:grpSpPr>
+      <p:sp>
+        <p:nvSpPr>
+          <p:cNvPr id="2" name="標題 1"/>
+          <p:cNvSpPr>
+            <a:spLocks noGrp="1"/>
+          </p:cNvSpPr>
+          <p:nvPr>
+            <p:ph type="title"/>
+          </p:nvPr>
+        </p:nvSpPr>
+        <p:spPr/>
+        <p:txBody>
+          <a:bodyPr/>
+          <a:lstStyle/>
+          <a:p>
+            <a:endParaRPr lang="zh-TW" altLang="en-US"/>
+          </a:p>
+        </p:txBody>
+      </p:sp>
+      <p:sp>
+        <p:nvSpPr>
+          <p:cNvPr id="3" name="內容版面配置區 2"/>
+          <p:cNvSpPr>
+            <a:spLocks noGrp="1"/>
+          </p:cNvSpPr>
+          <p:nvPr>
+            <p:ph idx="1"/>
+          </p:nvPr>
+        </p:nvSpPr>
+        <p:spPr/>
+        <p:txBody>
+          <a:bodyPr>
+            <a:normAutofit/>
+          </a:bodyPr>
+          <a:lstStyle/>
+          <a:p>
+            <a:r>
+              <a:rPr lang="en-US" altLang="zh-TW" sz="4000" dirty="0" smtClean="0"/>
+              <a:t>Little: </a:t>
+            </a:r>
+            <a:r>
+              <a:rPr lang="en-US" altLang="zh-TW" sz="4000" dirty="0" err="1" smtClean="0"/>
+              <a:t>nhỏ</a:t>
+            </a:r>
+            <a:endParaRPr lang="en-US" altLang="zh-TW" sz="4000" dirty="0" smtClean="0"/>
+          </a:p>
+          <a:p>
+            <a:r>
+              <a:rPr lang="en-US" altLang="zh-TW" sz="4000" dirty="0" smtClean="0"/>
+              <a:t>Tiny: </a:t>
+            </a:r>
+            <a:r>
+              <a:rPr lang="en-US" altLang="zh-TW" sz="4000" dirty="0" err="1" smtClean="0"/>
+              <a:t>tí</a:t>
+            </a:r>
+            <a:r>
+              <a:rPr lang="en-US" altLang="zh-TW" sz="4000" dirty="0" smtClean="0"/>
+              <a:t> </a:t>
+            </a:r>
+            <a:r>
+              <a:rPr lang="en-US" altLang="zh-TW" sz="4000" dirty="0" err="1" smtClean="0"/>
+              <a:t>hon</a:t>
+            </a:r>
+            <a:endParaRPr lang="en-US" altLang="zh-TW" sz="4000" dirty="0" smtClean="0"/>
+          </a:p>
+          <a:p>
+            <a:r>
+              <a:rPr lang="en-US" altLang="zh-TW" sz="4000" dirty="0" smtClean="0"/>
+              <a:t>Babies: </a:t>
+            </a:r>
+            <a:r>
+              <a:rPr lang="en-US" altLang="zh-TW" sz="4000" dirty="0" err="1" smtClean="0"/>
+              <a:t>những</a:t>
+            </a:r>
+            <a:r>
+              <a:rPr lang="en-US" altLang="zh-TW" sz="4000" dirty="0" smtClean="0"/>
+              <a:t> </a:t>
+            </a:r>
+            <a:r>
+              <a:rPr lang="en-US" altLang="zh-TW" sz="4000" dirty="0" err="1" smtClean="0"/>
+              <a:t>đứa</a:t>
+            </a:r>
+            <a:r>
+              <a:rPr lang="en-US" altLang="zh-TW" sz="4000" dirty="0" smtClean="0"/>
+              <a:t> </a:t>
+            </a:r>
+            <a:r>
+              <a:rPr lang="en-US" altLang="zh-TW" sz="4000" dirty="0" err="1" smtClean="0"/>
+              <a:t>bé</a:t>
+            </a:r>
+            <a:r>
+              <a:rPr lang="en-US" altLang="zh-TW" sz="4000" dirty="0" smtClean="0"/>
+              <a:t> </a:t>
+            </a:r>
+          </a:p>
+          <a:p>
+            <a:r>
+              <a:rPr lang="en-US" altLang="zh-TW" sz="4000" dirty="0" smtClean="0"/>
+              <a:t>Baby: </a:t>
+            </a:r>
+            <a:r>
+              <a:rPr lang="en-US" altLang="zh-TW" sz="4000" dirty="0" err="1" smtClean="0"/>
+              <a:t>em</a:t>
+            </a:r>
+            <a:r>
+              <a:rPr lang="en-US" altLang="zh-TW" sz="4000" dirty="0" smtClean="0"/>
+              <a:t> </a:t>
+            </a:r>
+            <a:r>
+              <a:rPr lang="en-US" altLang="zh-TW" sz="4000" dirty="0" err="1" smtClean="0"/>
+              <a:t>bé</a:t>
+            </a:r>
+            <a:endParaRPr lang="zh-TW" altLang="en-US" sz="4000" dirty="0"/>
+          </a:p>
+        </p:txBody>
+      </p:sp>
+    </p:spTree>
+  </p:cSld>
+  <p:clrMapOvr>
+    <a:masterClrMapping/>
+  </p:clrMapOvr>
+  <p:timing>
+    <p:tnLst>
+      <p:par>
+        <p:cTn id="1" dur="indefinite" restart="never" nodeType="tmRoot"/>
+      </p:par>
+    </p:tnLst>
+  </p:timing>
+</p:sld>
+</file>
+
+<file path=ppt/slides/slide5.xml><?xml version="1.0" encoding="utf-8"?>
 <p:sld xmlns:a="http://schemas.openxmlformats.org/drawingml/2006/main" xmlns:r="http://schemas.openxmlformats.org/officeDocument/2006/relationships" xmlns:p="http://schemas.openxmlformats.org/presentationml/2006/main">
   <p:cSld>
     <p:spTree>
@@ -3867,7 +4648,7 @@
 </p:sld>
 </file>
 
-<file path=ppt/slides/slide5.xml><?xml version="1.0" encoding="utf-8"?>
+<file path=ppt/slides/slide6.xml><?xml version="1.0" encoding="utf-8"?>
 <p:sld xmlns:a="http://schemas.openxmlformats.org/drawingml/2006/main" xmlns:r="http://schemas.openxmlformats.org/officeDocument/2006/relationships" xmlns:p="http://schemas.openxmlformats.org/presentationml/2006/main">
   <p:cSld>
     <p:spTree>
@@ -4165,7 +4946,7 @@
 </p:sld>
 </file>
 
-<file path=ppt/slides/slide6.xml><?xml version="1.0" encoding="utf-8"?>
+<file path=ppt/slides/slide7.xml><?xml version="1.0" encoding="utf-8"?>
 <p:sld xmlns:a="http://schemas.openxmlformats.org/drawingml/2006/main" xmlns:r="http://schemas.openxmlformats.org/officeDocument/2006/relationships" xmlns:p="http://schemas.openxmlformats.org/presentationml/2006/main">
   <p:cSld>
     <p:spTree>
@@ -4450,7 +5231,7 @@
 </p:sld>
 </file>
 
-<file path=ppt/slides/slide7.xml><?xml version="1.0" encoding="utf-8"?>
+<file path=ppt/slides/slide8.xml><?xml version="1.0" encoding="utf-8"?>
 <p:sld xmlns:a="http://schemas.openxmlformats.org/drawingml/2006/main" xmlns:r="http://schemas.openxmlformats.org/officeDocument/2006/relationships" xmlns:p="http://schemas.openxmlformats.org/presentationml/2006/main">
   <p:cSld>
     <p:spTree>
@@ -4682,7 +5463,7 @@
 </p:sld>
 </file>
 
-<file path=ppt/slides/slide8.xml><?xml version="1.0" encoding="utf-8"?>
+<file path=ppt/slides/slide9.xml><?xml version="1.0" encoding="utf-8"?>
 <p:sld xmlns:a="http://schemas.openxmlformats.org/drawingml/2006/main" xmlns:r="http://schemas.openxmlformats.org/officeDocument/2006/relationships" xmlns:p="http://schemas.openxmlformats.org/presentationml/2006/main">
   <p:cSld>
     <p:spTree>
@@ -4879,312 +5660,6 @@
               <a:solidFill>
                 <a:srgbClr val="C00000"/>
               </a:solidFill>
-              <a:latin typeface="Arial Unicode MS" pitchFamily="34" charset="-120"/>
-              <a:ea typeface="Arial Unicode MS" pitchFamily="34" charset="-120"/>
-              <a:cs typeface="Arial Unicode MS" pitchFamily="34" charset="-120"/>
-            </a:endParaRPr>
-          </a:p>
-        </p:txBody>
-      </p:sp>
-    </p:spTree>
-  </p:cSld>
-  <p:clrMapOvr>
-    <a:masterClrMapping/>
-  </p:clrMapOvr>
-  <p:timing>
-    <p:tnLst>
-      <p:par>
-        <p:cTn id="1" dur="indefinite" restart="never" nodeType="tmRoot"/>
-      </p:par>
-    </p:tnLst>
-  </p:timing>
-</p:sld>
-</file>
-
-<file path=ppt/slides/slide9.xml><?xml version="1.0" encoding="utf-8"?>
-<p:sld xmlns:a="http://schemas.openxmlformats.org/drawingml/2006/main" xmlns:r="http://schemas.openxmlformats.org/officeDocument/2006/relationships" xmlns:p="http://schemas.openxmlformats.org/presentationml/2006/main">
-  <p:cSld>
-    <p:spTree>
-      <p:nvGrpSpPr>
-        <p:cNvPr id="1" name=""/>
-        <p:cNvGrpSpPr/>
-        <p:nvPr/>
-      </p:nvGrpSpPr>
-      <p:grpSpPr>
-        <a:xfrm>
-          <a:off x="0" y="0"/>
-          <a:ext cx="0" cy="0"/>
-          <a:chOff x="0" y="0"/>
-          <a:chExt cx="0" cy="0"/>
-        </a:xfrm>
-      </p:grpSpPr>
-      <p:pic>
-        <p:nvPicPr>
-          <p:cNvPr id="1032" name="Picture 8" descr="ç¸éåç"/>
-          <p:cNvPicPr>
-            <a:picLocks noChangeAspect="1" noChangeArrowheads="1"/>
-          </p:cNvPicPr>
-          <p:nvPr/>
-        </p:nvPicPr>
-        <p:blipFill>
-          <a:blip r:embed="rId2"/>
-          <a:srcRect/>
-          <a:stretch>
-            <a:fillRect/>
-          </a:stretch>
-        </p:blipFill>
-        <p:spPr bwMode="auto">
-          <a:xfrm>
-            <a:off x="0" y="-24"/>
-            <a:ext cx="9144000" cy="6858000"/>
-          </a:xfrm>
-          <a:prstGeom prst="rect">
-            <a:avLst/>
-          </a:prstGeom>
-          <a:noFill/>
-        </p:spPr>
-      </p:pic>
-      <p:sp>
-        <p:nvSpPr>
-          <p:cNvPr id="5" name="內容版面配置區 2"/>
-          <p:cNvSpPr txBox="1">
-            <a:spLocks/>
-          </p:cNvSpPr>
-          <p:nvPr/>
-        </p:nvSpPr>
-        <p:spPr>
-          <a:xfrm>
-            <a:off x="214282" y="1428736"/>
-            <a:ext cx="8929718" cy="4525963"/>
-          </a:xfrm>
-          <a:prstGeom prst="rect">
-            <a:avLst/>
-          </a:prstGeom>
-        </p:spPr>
-        <p:txBody>
-          <a:bodyPr vert="horz" lIns="91440" tIns="45720" rIns="91440" bIns="45720" rtlCol="0">
-            <a:noAutofit/>
-          </a:bodyPr>
-          <a:lstStyle/>
-          <a:p>
-            <a:pPr marL="342900" marR="0" lvl="0" indent="-342900" algn="l" defTabSz="914400" rtl="0" eaLnBrk="1" fontAlgn="auto" latinLnBrk="0" hangingPunct="1">
-              <a:lnSpc>
-                <a:spcPct val="100000"/>
-              </a:lnSpc>
-              <a:spcBef>
-                <a:spcPct val="20000"/>
-              </a:spcBef>
-              <a:spcAft>
-                <a:spcPts val="0"/>
-              </a:spcAft>
-              <a:buClrTx/>
-              <a:buSzTx/>
-              <a:buFont typeface="Arial" pitchFamily="34" charset="0"/>
-              <a:buNone/>
-              <a:tabLst/>
-              <a:defRPr/>
-            </a:pPr>
-            <a:r>
-              <a:rPr kumimoji="0" lang="en-US" sz="3700" b="1" i="0" u="none" strike="noStrike" kern="1200" cap="none" spc="0" normalizeH="0" baseline="0" noProof="0" dirty="0" smtClean="0">
-                <a:ln>
-                  <a:noFill/>
-                </a:ln>
-                <a:solidFill>
-                  <a:srgbClr val="002060"/>
-                </a:solidFill>
-                <a:effectLst/>
-                <a:uLnTx/>
-                <a:uFillTx/>
-                <a:latin typeface="Arial Unicode MS" pitchFamily="34" charset="-120"/>
-                <a:ea typeface="Arial Unicode MS" pitchFamily="34" charset="-120"/>
-                <a:cs typeface="Arial Unicode MS" pitchFamily="34" charset="-120"/>
-              </a:rPr>
-              <a:t>He's got you and me, family in His hands,</a:t>
-            </a:r>
-          </a:p>
-          <a:p>
-            <a:pPr marL="342900" lvl="0" indent="-342900">
-              <a:spcBef>
-                <a:spcPct val="20000"/>
-              </a:spcBef>
-            </a:pPr>
-            <a:r>
-              <a:rPr kumimoji="0" lang="en-US" sz="3700" b="1" i="0" u="none" strike="noStrike" kern="1200" cap="none" spc="0" normalizeH="0" baseline="0" noProof="0" dirty="0" smtClean="0">
-                <a:ln>
-                  <a:noFill/>
-                </a:ln>
-                <a:solidFill>
-                  <a:srgbClr val="002060"/>
-                </a:solidFill>
-                <a:effectLst/>
-                <a:uLnTx/>
-                <a:uFillTx/>
-                <a:latin typeface="Arial Unicode MS" pitchFamily="34" charset="-120"/>
-                <a:ea typeface="Arial Unicode MS" pitchFamily="34" charset="-120"/>
-                <a:cs typeface="Arial Unicode MS" pitchFamily="34" charset="-120"/>
-              </a:rPr>
-              <a:t>He's got you </a:t>
-            </a:r>
-            <a:r>
-              <a:rPr kumimoji="0" lang="en-US" sz="4000" b="1" i="0" u="none" strike="noStrike" kern="1200" cap="none" spc="0" normalizeH="0" baseline="0" noProof="0" dirty="0" smtClean="0">
-                <a:ln>
-                  <a:noFill/>
-                </a:ln>
-                <a:solidFill>
-                  <a:srgbClr val="002060"/>
-                </a:solidFill>
-                <a:effectLst/>
-                <a:uLnTx/>
-                <a:uFillTx/>
-                <a:latin typeface="Arial Unicode MS" pitchFamily="34" charset="-120"/>
-                <a:ea typeface="Arial Unicode MS" pitchFamily="34" charset="-120"/>
-                <a:cs typeface="Arial Unicode MS" pitchFamily="34" charset="-120"/>
-              </a:rPr>
-              <a:t>and</a:t>
-            </a:r>
-            <a:r>
-              <a:rPr kumimoji="0" lang="en-US" sz="3700" b="1" i="0" u="none" strike="noStrike" kern="1200" cap="none" spc="0" normalizeH="0" baseline="0" noProof="0" dirty="0" smtClean="0">
-                <a:ln>
-                  <a:noFill/>
-                </a:ln>
-                <a:solidFill>
-                  <a:srgbClr val="002060"/>
-                </a:solidFill>
-                <a:effectLst/>
-                <a:uLnTx/>
-                <a:uFillTx/>
-                <a:latin typeface="Arial Unicode MS" pitchFamily="34" charset="-120"/>
-                <a:ea typeface="Arial Unicode MS" pitchFamily="34" charset="-120"/>
-                <a:cs typeface="Arial Unicode MS" pitchFamily="34" charset="-120"/>
-              </a:rPr>
-              <a:t> me</a:t>
-            </a:r>
-            <a:r>
-              <a:rPr lang="en-US" sz="3700" b="1" dirty="0">
-                <a:solidFill>
-                  <a:srgbClr val="002060"/>
-                </a:solidFill>
-                <a:latin typeface="Arial Unicode MS" pitchFamily="34" charset="-120"/>
-                <a:ea typeface="Arial Unicode MS" pitchFamily="34" charset="-120"/>
-                <a:cs typeface="Arial Unicode MS" pitchFamily="34" charset="-120"/>
-              </a:rPr>
-              <a:t>, family </a:t>
-            </a:r>
-            <a:r>
-              <a:rPr kumimoji="0" lang="en-US" sz="3700" b="1" i="0" u="none" strike="noStrike" kern="1200" cap="none" spc="0" normalizeH="0" baseline="0" noProof="0" dirty="0" smtClean="0">
-                <a:ln>
-                  <a:noFill/>
-                </a:ln>
-                <a:solidFill>
-                  <a:srgbClr val="002060"/>
-                </a:solidFill>
-                <a:effectLst/>
-                <a:uLnTx/>
-                <a:uFillTx/>
-                <a:latin typeface="Arial Unicode MS" pitchFamily="34" charset="-120"/>
-                <a:ea typeface="Arial Unicode MS" pitchFamily="34" charset="-120"/>
-                <a:cs typeface="Arial Unicode MS" pitchFamily="34" charset="-120"/>
-              </a:rPr>
-              <a:t>in His hands,</a:t>
-            </a:r>
-          </a:p>
-          <a:p>
-            <a:pPr marL="342900" lvl="0" indent="-342900">
-              <a:spcBef>
-                <a:spcPct val="20000"/>
-              </a:spcBef>
-            </a:pPr>
-            <a:r>
-              <a:rPr kumimoji="0" lang="en-US" sz="3700" b="1" i="0" u="none" strike="noStrike" kern="1200" cap="none" spc="0" normalizeH="0" baseline="0" noProof="0" dirty="0" smtClean="0">
-                <a:ln>
-                  <a:noFill/>
-                </a:ln>
-                <a:solidFill>
-                  <a:srgbClr val="002060"/>
-                </a:solidFill>
-                <a:effectLst/>
-                <a:uLnTx/>
-                <a:uFillTx/>
-                <a:latin typeface="Arial Unicode MS" pitchFamily="34" charset="-120"/>
-                <a:ea typeface="Arial Unicode MS" pitchFamily="34" charset="-120"/>
-                <a:cs typeface="Arial Unicode MS" pitchFamily="34" charset="-120"/>
-              </a:rPr>
-              <a:t>He's got you and me</a:t>
-            </a:r>
-            <a:r>
-              <a:rPr lang="en-US" sz="3700" b="1" dirty="0">
-                <a:solidFill>
-                  <a:srgbClr val="002060"/>
-                </a:solidFill>
-                <a:latin typeface="Arial Unicode MS" pitchFamily="34" charset="-120"/>
-                <a:ea typeface="Arial Unicode MS" pitchFamily="34" charset="-120"/>
-                <a:cs typeface="Arial Unicode MS" pitchFamily="34" charset="-120"/>
-              </a:rPr>
-              <a:t>, family </a:t>
-            </a:r>
-            <a:r>
-              <a:rPr kumimoji="0" lang="en-US" sz="3700" b="1" i="0" u="none" strike="noStrike" kern="1200" cap="none" spc="0" normalizeH="0" baseline="0" noProof="0" dirty="0" smtClean="0">
-                <a:ln>
-                  <a:noFill/>
-                </a:ln>
-                <a:solidFill>
-                  <a:srgbClr val="002060"/>
-                </a:solidFill>
-                <a:effectLst/>
-                <a:uLnTx/>
-                <a:uFillTx/>
-                <a:latin typeface="Arial Unicode MS" pitchFamily="34" charset="-120"/>
-                <a:ea typeface="Arial Unicode MS" pitchFamily="34" charset="-120"/>
-                <a:cs typeface="Arial Unicode MS" pitchFamily="34" charset="-120"/>
-              </a:rPr>
-              <a:t>in His hands,</a:t>
-            </a:r>
-          </a:p>
-          <a:p>
-            <a:pPr marL="342900" marR="0" lvl="0" indent="-342900" algn="l" defTabSz="914400" rtl="0" eaLnBrk="1" fontAlgn="auto" latinLnBrk="0" hangingPunct="1">
-              <a:lnSpc>
-                <a:spcPct val="100000"/>
-              </a:lnSpc>
-              <a:spcBef>
-                <a:spcPct val="20000"/>
-              </a:spcBef>
-              <a:spcAft>
-                <a:spcPts val="0"/>
-              </a:spcAft>
-              <a:buClrTx/>
-              <a:buSzTx/>
-              <a:buFont typeface="Arial" pitchFamily="34" charset="0"/>
-              <a:buNone/>
-              <a:tabLst/>
-              <a:defRPr/>
-            </a:pPr>
-            <a:r>
-              <a:rPr kumimoji="0" lang="en-US" sz="3700" b="1" i="0" u="none" strike="noStrike" kern="1200" cap="none" spc="0" normalizeH="0" baseline="0" noProof="0" dirty="0" smtClean="0">
-                <a:ln>
-                  <a:noFill/>
-                </a:ln>
-                <a:solidFill>
-                  <a:srgbClr val="002060"/>
-                </a:solidFill>
-                <a:effectLst/>
-                <a:uLnTx/>
-                <a:uFillTx/>
-                <a:latin typeface="Arial Unicode MS" pitchFamily="34" charset="-120"/>
-                <a:ea typeface="Arial Unicode MS" pitchFamily="34" charset="-120"/>
-                <a:cs typeface="Arial Unicode MS" pitchFamily="34" charset="-120"/>
-              </a:rPr>
-              <a:t>He's got the whole world in His hands. </a:t>
-            </a:r>
-            <a:endParaRPr kumimoji="0" lang="zh-TW" altLang="en-US" sz="3700" b="1" i="0" u="none" strike="noStrike" kern="1200" cap="none" spc="0" normalizeH="0" baseline="0" noProof="0" dirty="0" smtClean="0">
-              <a:ln>
-                <a:noFill/>
-              </a:ln>
-              <a:solidFill>
-                <a:srgbClr val="002060"/>
-              </a:solidFill>
-              <a:effectLst/>
-              <a:uLnTx/>
-              <a:uFillTx/>
               <a:latin typeface="Arial Unicode MS" pitchFamily="34" charset="-120"/>
               <a:ea typeface="Arial Unicode MS" pitchFamily="34" charset="-120"/>
               <a:cs typeface="Arial Unicode MS" pitchFamily="34" charset="-120"/>
